--- a/intro_to_GIS540_cm.pptx
+++ b/intro_to_GIS540_cm.pptx
@@ -169,6 +169,9 @@
           </p15:clr>
         </p15:guide>
       </p15:sldGuideLst>
+    </p:ext>
+    <p:ext uri="{2D200454-40CA-4A62-9FC3-DE9A4176ACB9}">
+      <p15:notesGuideLst xmlns:p15="http://schemas.microsoft.com/office/powerpoint/2012/main"/>
     </p:ext>
   </p:extLst>
 </p:presentation>
@@ -2951,7 +2954,7 @@
         <p:nvSpPr>
           <p:cNvPr id="2052" name="Rectangle 1028"/>
           <p:cNvSpPr>
-            <a:spLocks noChangeArrowheads="1" noTextEdit="1"/>
+            <a:spLocks noGrp="1" noRot="1" noChangeAspect="1" noChangeArrowheads="1" noTextEdit="1"/>
           </p:cNvSpPr>
           <p:nvPr>
             <p:ph type="sldImg" idx="2"/>
@@ -3815,7 +3818,7 @@
           <a:lstStyle/>
           <a:p>
             <a:r>
-              <a:rPr lang="en-US" altLang="en-US" smtClean="0">
+              <a:rPr lang="en-US" altLang="en-US" dirty="0" smtClean="0">
                 <a:latin typeface="Arial" panose="020B0604020202020204" pitchFamily="34" charset="0"/>
               </a:rPr>
               <a:t>Here are the course topics grouped into quarters.   The materials are cumulative.  For example, to read and write files, you need to use Python data structures from week 1.</a:t>
@@ -4006,29 +4009,8 @@
               <a:rPr lang="en-US" altLang="en-US" dirty="0" smtClean="0">
                 <a:latin typeface="Arial" panose="020B0604020202020204" pitchFamily="34" charset="0"/>
               </a:rPr>
-              <a:t>We are currently using from ArcGIS 10.7.  If you</a:t>
-            </a:r>
-            <a:r>
-              <a:rPr lang="en-US" altLang="en-US" baseline="0" dirty="0" smtClean="0">
-                <a:latin typeface="Arial" panose="020B0604020202020204" pitchFamily="34" charset="0"/>
-              </a:rPr>
-              <a:t> are using 10.6</a:t>
-            </a:r>
-            <a:r>
-              <a:rPr lang="en-US" altLang="en-US" dirty="0" smtClean="0">
-                <a:latin typeface="Arial" panose="020B0604020202020204" pitchFamily="34" charset="0"/>
-              </a:rPr>
-              <a:t> that should</a:t>
-            </a:r>
-            <a:r>
-              <a:rPr lang="en-US" altLang="en-US" baseline="0" dirty="0" smtClean="0">
-                <a:latin typeface="Arial" panose="020B0604020202020204" pitchFamily="34" charset="0"/>
-              </a:rPr>
-              <a:t> also be fine.  </a:t>
-            </a:r>
-            <a:endParaRPr lang="en-US" altLang="en-US" dirty="0" smtClean="0">
-              <a:latin typeface="Arial" panose="020B0604020202020204" pitchFamily="34" charset="0"/>
-            </a:endParaRPr>
+              <a:t>We are currently using ArcGIS Desktop version 10.7.  Versions 10.6 or 10.5 should be fine as well.  We will also get some exposure to ArcGIS Pro. I’ll return to this in a moment.  But the majority of the work will still be in Desktop.  </a:t>
+            </a:r>
           </a:p>
           <a:p>
             <a:endParaRPr lang="en-US" altLang="en-US" dirty="0" smtClean="0">
@@ -4324,7 +4306,7 @@
               <a:rPr lang="en-US" altLang="en-US" baseline="0" dirty="0" smtClean="0">
                 <a:latin typeface="Arial" panose="020B0604020202020204" pitchFamily="34" charset="0"/>
               </a:rPr>
-              <a:t>. ArcGIS Pro uses Python 3.  Again, don’t install Python 3 separately.  This will be automatically installed with ArcGIS Pro.   We are installing ArcGIS Pro and </a:t>
+              <a:t>. ArcGIS Pro uses Python 3.  The installation instructions show how to use </a:t>
             </a:r>
             <a:r>
               <a:rPr lang="en-US" altLang="en-US" baseline="0" dirty="0" err="1" smtClean="0">
@@ -4336,7 +4318,19 @@
               <a:rPr lang="en-US" altLang="en-US" baseline="0" dirty="0" smtClean="0">
                 <a:latin typeface="Arial" panose="020B0604020202020204" pitchFamily="34" charset="0"/>
               </a:rPr>
-              <a:t> to provide some basic exposure to this software and so that you can test changes to Python for yourself.  </a:t>
+              <a:t> for ArcGIS Pro’s installation of Python.  Again, don’t install Python 3 separately.  This will be automatically installed with ArcGIS Pro.   We are installing ArcGIS Pro and </a:t>
+            </a:r>
+            <a:r>
+              <a:rPr lang="en-US" altLang="en-US" baseline="0" dirty="0" err="1" smtClean="0">
+                <a:latin typeface="Arial" panose="020B0604020202020204" pitchFamily="34" charset="0"/>
+              </a:rPr>
+              <a:t>PyCharm</a:t>
+            </a:r>
+            <a:r>
+              <a:rPr lang="en-US" altLang="en-US" baseline="0" dirty="0" smtClean="0">
+                <a:latin typeface="Arial" panose="020B0604020202020204" pitchFamily="34" charset="0"/>
+              </a:rPr>
+              <a:t> to provide some basic exposure to this software and so that you can explore changes between Python 2 and Python 3.  </a:t>
             </a:r>
           </a:p>
           <a:p>
@@ -4349,19 +4343,7 @@
               <a:rPr lang="en-US" altLang="en-US" baseline="0" dirty="0" smtClean="0">
                 <a:latin typeface="Arial" panose="020B0604020202020204" pitchFamily="34" charset="0"/>
               </a:rPr>
-              <a:t>We will still be working primarily in ArcGIS </a:t>
-            </a:r>
-            <a:r>
-              <a:rPr lang="en-US" altLang="en-US" baseline="0" dirty="0" smtClean="0">
-                <a:latin typeface="Arial" panose="020B0604020202020204" pitchFamily="34" charset="0"/>
-              </a:rPr>
-              <a:t>Desktop </a:t>
-            </a:r>
-            <a:r>
-              <a:rPr lang="en-US" altLang="en-US" baseline="0" dirty="0" smtClean="0">
-                <a:latin typeface="Arial" panose="020B0604020202020204" pitchFamily="34" charset="0"/>
-              </a:rPr>
-              <a:t>and Python 2.   </a:t>
+              <a:t>We will still be working primarily in ArcGIS Desktop and Python 2.   </a:t>
             </a:r>
           </a:p>
           <a:p>
@@ -4376,16 +4358,13 @@
               </a:rPr>
               <a:t>Just to be very clear: The Python homework will be graded using Python 2.  This means that you must use Python 2 syntax, otherwise your code may not run when we try to grade it.  If your code doesn’t run for us in Python 2, this will result in a loss of points. </a:t>
             </a:r>
+          </a:p>
+          <a:p>
             <a:endParaRPr lang="en-US" altLang="en-US" baseline="0" dirty="0" smtClean="0">
               <a:latin typeface="Arial" panose="020B0604020202020204" pitchFamily="34" charset="0"/>
             </a:endParaRPr>
           </a:p>
           <a:p>
-            <a:endParaRPr lang="en-US" altLang="en-US" baseline="0" dirty="0" smtClean="0">
-              <a:latin typeface="Arial" panose="020B0604020202020204" pitchFamily="34" charset="0"/>
-            </a:endParaRPr>
-          </a:p>
-          <a:p>
             <a:r>
               <a:rPr lang="en-US" altLang="en-US" baseline="0" dirty="0" smtClean="0">
                 <a:latin typeface="Arial" panose="020B0604020202020204" pitchFamily="34" charset="0"/>
@@ -4414,19 +4393,19 @@
               <a:rPr lang="en-US" altLang="en-US" baseline="0" dirty="0" smtClean="0">
                 <a:latin typeface="Arial" panose="020B0604020202020204" pitchFamily="34" charset="0"/>
               </a:rPr>
-              <a:t> as your primary IDE, that is acceptable.  Just be sure to test code in Python 2 before submitting it and beware that there may be some quiz questions and assignments that will require some knowledge of </a:t>
+              <a:t> as your primary IDE, that is acceptable, so long as you have it set up to test your code in Python 2.  Be sure to test code in Python 2 before submitting it and beware that there may be some quiz questions and assignments that will require some knowledge of how </a:t>
             </a:r>
             <a:r>
               <a:rPr lang="en-US" altLang="en-US" baseline="0" dirty="0" err="1" smtClean="0">
                 <a:latin typeface="Arial" panose="020B0604020202020204" pitchFamily="34" charset="0"/>
               </a:rPr>
-              <a:t>PythonWin’s</a:t>
+              <a:t>PythonWin</a:t>
             </a:r>
             <a:r>
               <a:rPr lang="en-US" altLang="en-US" baseline="0" dirty="0" smtClean="0">
                 <a:latin typeface="Arial" panose="020B0604020202020204" pitchFamily="34" charset="0"/>
               </a:rPr>
-              <a:t> workings.</a:t>
+              <a:t> works.</a:t>
             </a:r>
             <a:endParaRPr lang="en-US" altLang="en-US" dirty="0" smtClean="0">
               <a:latin typeface="Arial" panose="020B0604020202020204" pitchFamily="34" charset="0"/>
@@ -4888,78 +4867,78 @@
           <a:lstStyle/>
           <a:p>
             <a:r>
-              <a:rPr lang="en-US" altLang="en-US" smtClean="0">
+              <a:rPr lang="en-US" altLang="en-US" dirty="0" smtClean="0">
                 <a:latin typeface="Arial" panose="020B0604020202020204" pitchFamily="34" charset="0"/>
               </a:rPr>
               <a:t>One very helpful resource that is available to you is an online tool called Py4All, which has been developed to accompany the Python for ArcGIS textbook.   It applies to any exercise in the book in which you write a script.</a:t>
             </a:r>
           </a:p>
           <a:p>
-            <a:endParaRPr lang="en-US" altLang="en-US" smtClean="0">
+            <a:endParaRPr lang="en-US" altLang="en-US" dirty="0" smtClean="0">
               <a:latin typeface="Arial" panose="020B0604020202020204" pitchFamily="34" charset="0"/>
             </a:endParaRPr>
           </a:p>
           <a:p>
             <a:r>
-              <a:rPr lang="en-US" altLang="en-US" smtClean="0">
+              <a:rPr lang="en-US" altLang="en-US" dirty="0" smtClean="0">
                 <a:latin typeface="Arial" panose="020B0604020202020204" pitchFamily="34" charset="0"/>
               </a:rPr>
               <a:t>The main purpose of Py4All is to provide automated feedback and enable students to compare your output to the solution output. </a:t>
             </a:r>
           </a:p>
           <a:p>
-            <a:endParaRPr lang="en-US" altLang="en-US" smtClean="0">
+            <a:endParaRPr lang="en-US" altLang="en-US" dirty="0" smtClean="0">
               <a:latin typeface="Arial" panose="020B0604020202020204" pitchFamily="34" charset="0"/>
             </a:endParaRPr>
           </a:p>
           <a:p>
             <a:r>
-              <a:rPr lang="en-US" altLang="en-US" smtClean="0">
+              <a:rPr lang="en-US" altLang="en-US" dirty="0" smtClean="0">
                 <a:latin typeface="Arial" panose="020B0604020202020204" pitchFamily="34" charset="0"/>
               </a:rPr>
               <a:t>It can be used the script is completed or when you’ve made as much progress as you can, but you’re stuck. It does not replace grading, which the instructors will do.  When you’re ready to officially submit a script, do that on Moodle.  Py4All is more like a sandbox system to provide automated feedback.   </a:t>
             </a:r>
           </a:p>
           <a:p>
-            <a:endParaRPr lang="en-US" altLang="en-US" smtClean="0">
+            <a:endParaRPr lang="en-US" altLang="en-US" dirty="0" smtClean="0">
               <a:latin typeface="Arial" panose="020B0604020202020204" pitchFamily="34" charset="0"/>
             </a:endParaRPr>
           </a:p>
           <a:p>
             <a:r>
-              <a:rPr lang="en-US" altLang="en-US" smtClean="0">
+              <a:rPr lang="en-US" altLang="en-US" dirty="0" smtClean="0">
                 <a:latin typeface="Arial" panose="020B0604020202020204" pitchFamily="34" charset="0"/>
               </a:rPr>
               <a:t>Instead of a grader, think of Py4All as a helping hand when you’re first learning to script.  You can use it iteratively by uploading your script, receiving feedback, making modifications, and uploading again to receive additional feedback.</a:t>
             </a:r>
           </a:p>
           <a:p>
-            <a:endParaRPr lang="en-US" altLang="en-US" smtClean="0">
+            <a:endParaRPr lang="en-US" altLang="en-US" dirty="0" smtClean="0">
               <a:latin typeface="Arial" panose="020B0604020202020204" pitchFamily="34" charset="0"/>
             </a:endParaRPr>
           </a:p>
           <a:p>
             <a:r>
-              <a:rPr lang="en-US" altLang="en-US" smtClean="0">
+              <a:rPr lang="en-US" altLang="en-US" dirty="0" smtClean="0">
                 <a:latin typeface="Arial" panose="020B0604020202020204" pitchFamily="34" charset="0"/>
               </a:rPr>
               <a:t>To get started, watch the intro to Py4All video which explains how it works.  You will be able login to the Py4All site with your unity id and password once you receive the enrollment </a:t>
             </a:r>
             <a:r>
-              <a:rPr lang="en-US" altLang="en-US" b="1" smtClean="0">
+              <a:rPr lang="en-US" altLang="en-US" b="1" dirty="0" smtClean="0">
                 <a:latin typeface="Arial" panose="020B0604020202020204" pitchFamily="34" charset="0"/>
               </a:rPr>
               <a:t>key</a:t>
             </a:r>
             <a:r>
-              <a:rPr lang="en-US" altLang="en-US" smtClean="0">
+              <a:rPr lang="en-US" altLang="en-US" dirty="0" smtClean="0">
                 <a:latin typeface="Arial" panose="020B0604020202020204" pitchFamily="34" charset="0"/>
               </a:rPr>
               <a:t> which will be shared on the message board.</a:t>
             </a:r>
           </a:p>
           <a:p>
-            <a:endParaRPr lang="en-US" altLang="en-US" smtClean="0">
+            <a:endParaRPr lang="en-US" altLang="en-US" dirty="0" smtClean="0">
               <a:latin typeface="Arial" panose="020B0604020202020204" pitchFamily="34" charset="0"/>
             </a:endParaRPr>
           </a:p>
@@ -7127,31 +7106,7 @@
               <a:rPr lang="en-US" altLang="en-US" dirty="0" smtClean="0">
                 <a:latin typeface="Arial" panose="020B0604020202020204" pitchFamily="34" charset="0"/>
               </a:rPr>
-              <a:t> and you will need to apply elements of the first week’s lesson to every subsequent lesson.  This means putting the new material together with the old material to solve the homework problems.   Quizzes </a:t>
-            </a:r>
-            <a:r>
-              <a:rPr lang="en-US" altLang="en-US" dirty="0" smtClean="0">
-                <a:latin typeface="Arial" panose="020B0604020202020204" pitchFamily="34" charset="0"/>
-              </a:rPr>
-              <a:t>assist </a:t>
-            </a:r>
-            <a:r>
-              <a:rPr lang="en-US" altLang="en-US" dirty="0" smtClean="0">
-                <a:latin typeface="Arial" panose="020B0604020202020204" pitchFamily="34" charset="0"/>
-              </a:rPr>
-              <a:t>with internalizing the material.   The grading for this course is based on homework assignments, quizzes, </a:t>
-            </a:r>
-            <a:r>
-              <a:rPr lang="en-US" altLang="en-US" dirty="0" smtClean="0">
-                <a:latin typeface="Arial" panose="020B0604020202020204" pitchFamily="34" charset="0"/>
-              </a:rPr>
-              <a:t>and </a:t>
-            </a:r>
-            <a:r>
-              <a:rPr lang="en-US" altLang="en-US" dirty="0" smtClean="0">
-                <a:latin typeface="Arial" panose="020B0604020202020204" pitchFamily="34" charset="0"/>
-              </a:rPr>
-              <a:t>the final project.</a:t>
+              <a:t> and you will need to apply elements of the first week’s lesson to every subsequent lesson.  This means putting the new material together with the old material to solve the homework problems.   Quizzes assist with internalizing the material.   The grading for this course is based on homework assignments, quizzes, and the final project.</a:t>
             </a:r>
           </a:p>
           <a:p>
@@ -12186,33 +12141,15 @@
                   </a:schemeClr>
                 </a:solidFill>
               </a:rPr>
-              <a:t>EXAM </a:t>
+              <a:t> </a:t>
             </a:r>
             <a:r>
               <a:rPr lang="en-US" altLang="en-US" sz="1800" dirty="0" smtClean="0">
                 <a:solidFill>
-                  <a:schemeClr val="accent2">
-                    <a:lumMod val="75000"/>
-                  </a:schemeClr>
+                  <a:schemeClr val="accent6"/>
                 </a:solidFill>
               </a:rPr>
-              <a:t>I  </a:t>
-            </a:r>
-            <a:r>
-              <a:rPr lang="en-US" altLang="en-US" sz="1800" dirty="0">
-                <a:solidFill>
-                  <a:schemeClr val="accent6"/>
-                </a:solidFill>
-              </a:rPr>
-              <a:t>project </a:t>
-            </a:r>
-            <a:r>
-              <a:rPr lang="en-US" altLang="en-US" sz="1800" dirty="0" smtClean="0">
-                <a:solidFill>
-                  <a:schemeClr val="accent6"/>
-                </a:solidFill>
-              </a:rPr>
-              <a:t>proposal</a:t>
+              <a:t>project proposal</a:t>
             </a:r>
             <a:endParaRPr lang="en-US" altLang="en-US" sz="1800" b="1" dirty="0" smtClean="0"/>
           </a:p>
@@ -12357,19 +12294,8 @@
             </a:r>
             <a:r>
               <a:rPr lang="en-US" altLang="en-US" sz="1800" b="1" dirty="0" smtClean="0"/>
-              <a:t> Quarter </a:t>
-            </a:r>
-            <a:r>
-              <a:rPr lang="en-US" altLang="en-US" sz="1800" dirty="0">
-                <a:solidFill>
-                  <a:schemeClr val="accent2">
-                    <a:lumMod val="75000"/>
-                  </a:schemeClr>
-                </a:solidFill>
-              </a:rPr>
-              <a:t>EXAM II</a:t>
-            </a:r>
-            <a:endParaRPr lang="en-US" altLang="en-US" sz="1800" b="1" dirty="0" smtClean="0"/>
+              <a:t> Quarter</a:t>
+            </a:r>
           </a:p>
           <a:p>
             <a:pPr marL="0" indent="0" eaLnBrk="1" fontAlgn="auto" hangingPunct="1">
@@ -14042,7 +13968,7 @@
             <a:pPr lvl="1" eaLnBrk="1" hangingPunct="1"/>
             <a:r>
               <a:rPr lang="en-US" altLang="en-US" sz="2000" dirty="0" smtClean="0"/>
-              <a:t>Announcements (FOLLOW THESE)</a:t>
+              <a:t>Announcements (“FOLLOW” THESE)</a:t>
             </a:r>
           </a:p>
           <a:p>
@@ -14135,8 +14061,9 @@
             <a:pPr lvl="1" eaLnBrk="1" hangingPunct="1"/>
             <a:r>
               <a:rPr lang="en-US" altLang="en-US" sz="2000" dirty="0" smtClean="0"/>
-              <a:t>Gradebook</a:t>
-            </a:r>
+              <a:t>Gradebook  </a:t>
+            </a:r>
+            <a:endParaRPr lang="en-US" altLang="en-US" sz="2000" dirty="0" smtClean="0"/>
           </a:p>
         </p:txBody>
       </p:sp>
@@ -14373,6 +14300,60 @@
           </a:extLst>
         </p:spPr>
       </p:pic>
+      <p:pic>
+        <p:nvPicPr>
+          <p:cNvPr id="2" name="Picture 1"/>
+          <p:cNvPicPr>
+            <a:picLocks noChangeAspect="1"/>
+          </p:cNvPicPr>
+          <p:nvPr/>
+        </p:nvPicPr>
+        <p:blipFill>
+          <a:blip r:embed="rId4"/>
+          <a:stretch>
+            <a:fillRect/>
+          </a:stretch>
+        </p:blipFill>
+        <p:spPr>
+          <a:xfrm>
+            <a:off x="3505200" y="5915025"/>
+            <a:ext cx="2876550" cy="942975"/>
+          </a:xfrm>
+          <a:prstGeom prst="rect">
+            <a:avLst/>
+          </a:prstGeom>
+        </p:spPr>
+      </p:pic>
+      <p:sp>
+        <p:nvSpPr>
+          <p:cNvPr id="3" name="TextBox 2"/>
+          <p:cNvSpPr txBox="1"/>
+          <p:nvPr/>
+        </p:nvSpPr>
+        <p:spPr>
+          <a:xfrm>
+            <a:off x="3048000" y="6219863"/>
+            <a:ext cx="1752600" cy="369332"/>
+          </a:xfrm>
+          <a:prstGeom prst="rect">
+            <a:avLst/>
+          </a:prstGeom>
+          <a:noFill/>
+        </p:spPr>
+        <p:txBody>
+          <a:bodyPr wrap="square" rtlCol="0">
+            <a:spAutoFit/>
+          </a:bodyPr>
+          <a:lstStyle/>
+          <a:p>
+            <a:r>
+              <a:rPr lang="en-US" dirty="0" smtClean="0"/>
+              <a:t>“hamburger”</a:t>
+            </a:r>
+            <a:endParaRPr lang="en-US" dirty="0"/>
+          </a:p>
+        </p:txBody>
+      </p:sp>
     </p:spTree>
   </p:cSld>
   <p:clrMapOvr>
@@ -14990,6 +14971,78 @@
                                           </p:stCondLst>
                                         </p:cTn>
                                         <p:tgtEl>
+                                          <p:spTgt spid="2"/>
+                                        </p:tgtEl>
+                                        <p:attrNameLst>
+                                          <p:attrName>style.visibility</p:attrName>
+                                        </p:attrNameLst>
+                                      </p:cBhvr>
+                                      <p:to>
+                                        <p:strVal val="visible"/>
+                                      </p:to>
+                                    </p:set>
+                                  </p:childTnLst>
+                                </p:cTn>
+                              </p:par>
+                              <p:par>
+                                <p:cTn id="51" presetID="1" presetClass="entr" presetSubtype="0" fill="hold" grpId="0" nodeType="withEffect">
+                                  <p:stCondLst>
+                                    <p:cond delay="0"/>
+                                  </p:stCondLst>
+                                  <p:childTnLst>
+                                    <p:set>
+                                      <p:cBhvr>
+                                        <p:cTn id="52" dur="1" fill="hold">
+                                          <p:stCondLst>
+                                            <p:cond delay="0"/>
+                                          </p:stCondLst>
+                                        </p:cTn>
+                                        <p:tgtEl>
+                                          <p:spTgt spid="3"/>
+                                        </p:tgtEl>
+                                        <p:attrNameLst>
+                                          <p:attrName>style.visibility</p:attrName>
+                                        </p:attrNameLst>
+                                      </p:cBhvr>
+                                      <p:to>
+                                        <p:strVal val="visible"/>
+                                      </p:to>
+                                    </p:set>
+                                  </p:childTnLst>
+                                </p:cTn>
+                              </p:par>
+                            </p:childTnLst>
+                          </p:cTn>
+                        </p:par>
+                      </p:childTnLst>
+                    </p:cTn>
+                  </p:par>
+                  <p:par>
+                    <p:cTn id="53" fill="hold">
+                      <p:stCondLst>
+                        <p:cond delay="indefinite"/>
+                      </p:stCondLst>
+                      <p:childTnLst>
+                        <p:par>
+                          <p:cTn id="54" fill="hold">
+                            <p:stCondLst>
+                              <p:cond delay="0"/>
+                            </p:stCondLst>
+                            <p:childTnLst>
+                              <p:par>
+                                <p:cTn id="55" presetID="1" presetClass="entr" presetSubtype="0" fill="hold" nodeType="clickEffect">
+                                  <p:stCondLst>
+                                    <p:cond delay="0"/>
+                                  </p:stCondLst>
+                                  <p:childTnLst>
+                                    <p:set>
+                                      <p:cBhvr>
+                                        <p:cTn id="56" dur="1" fill="hold">
+                                          <p:stCondLst>
+                                            <p:cond delay="0"/>
+                                          </p:stCondLst>
+                                        </p:cTn>
+                                        <p:tgtEl>
                                           <p:spTgt spid="56322"/>
                                         </p:tgtEl>
                                         <p:attrNameLst>
@@ -15030,6 +15083,9 @@
         </p:cTn>
       </p:par>
     </p:tnLst>
+    <p:bldLst>
+      <p:bldP spid="3" grpId="0"/>
+    </p:bldLst>
   </p:timing>
 </p:sld>
 </file>
@@ -19613,11 +19669,7 @@
             <a:pPr eaLnBrk="1" hangingPunct="1"/>
             <a:r>
               <a:rPr lang="en-US" altLang="en-US" sz="2800" dirty="0" smtClean="0"/>
-              <a:t>5-6 </a:t>
-            </a:r>
-            <a:r>
-              <a:rPr lang="en-US" altLang="en-US" sz="2800" dirty="0" smtClean="0"/>
-              <a:t>quizzes (</a:t>
+              <a:t>5-6 quizzes (</a:t>
             </a:r>
             <a:r>
               <a:rPr lang="en-US" altLang="en-US" sz="2800" dirty="0" smtClean="0">
@@ -19636,11 +19688,7 @@
             <a:pPr eaLnBrk="1" hangingPunct="1"/>
             <a:r>
               <a:rPr lang="en-US" altLang="en-US" sz="2800" dirty="0" smtClean="0"/>
-              <a:t>Project </a:t>
-            </a:r>
-            <a:r>
-              <a:rPr lang="en-US" altLang="en-US" sz="2800" dirty="0" smtClean="0"/>
-              <a:t>(</a:t>
+              <a:t>Project (</a:t>
             </a:r>
             <a:r>
               <a:rPr lang="en-US" altLang="en-US" sz="2800" dirty="0">
@@ -19656,15 +19704,7 @@
                   <a:schemeClr val="accent2"/>
                 </a:solidFill>
               </a:rPr>
-              <a:t>5</a:t>
-            </a:r>
-            <a:r>
-              <a:rPr lang="en-US" altLang="en-US" sz="2800" dirty="0" smtClean="0">
-                <a:solidFill>
-                  <a:schemeClr val="accent2"/>
-                </a:solidFill>
-              </a:rPr>
-              <a:t>%</a:t>
+              <a:t>5%</a:t>
             </a:r>
             <a:r>
               <a:rPr lang="en-US" altLang="en-US" sz="2800" dirty="0" smtClean="0"/>
@@ -19675,11 +19715,7 @@
             <a:pPr eaLnBrk="1" hangingPunct="1"/>
             <a:r>
               <a:rPr lang="en-US" altLang="en-US" sz="2800" dirty="0" smtClean="0"/>
-              <a:t>Homework </a:t>
-            </a:r>
-            <a:r>
-              <a:rPr lang="en-US" altLang="en-US" sz="2800" dirty="0" smtClean="0"/>
-              <a:t>(</a:t>
+              <a:t>Homework (</a:t>
             </a:r>
             <a:r>
               <a:rPr lang="en-US" altLang="en-US" sz="2800" dirty="0">
@@ -19695,15 +19731,7 @@
                   <a:schemeClr val="accent2"/>
                 </a:solidFill>
               </a:rPr>
-              <a:t>5</a:t>
-            </a:r>
-            <a:r>
-              <a:rPr lang="en-US" altLang="en-US" sz="2800" dirty="0" smtClean="0">
-                <a:solidFill>
-                  <a:schemeClr val="accent2"/>
-                </a:solidFill>
-              </a:rPr>
-              <a:t>%</a:t>
+              <a:t>5%</a:t>
             </a:r>
             <a:r>
               <a:rPr lang="en-US" altLang="en-US" sz="2800" dirty="0" smtClean="0"/>
